--- a/161702/docs/2-Technology Background.pptx
+++ b/161702/docs/2-Technology Background.pptx
@@ -4528,7 +4528,11 @@
             </a:r>
             <a:r>
               <a:rPr lang="en-US" sz="1200" dirty="0" smtClean="0"/>
-              <a:t> on all nodes</a:t>
+              <a:t> </a:t>
+            </a:r>
+            <a:r>
+              <a:rPr lang="en-US" sz="1200" dirty="0" smtClean="0"/>
+              <a:t>on all nodes</a:t>
             </a:r>
           </a:p>
           <a:p>
@@ -6704,6 +6708,13 @@
   <p:clrMapOvr>
     <a:masterClrMapping/>
   </p:clrMapOvr>
+  <p:timing>
+    <p:tnLst>
+      <p:par>
+        <p:cTn id="1" dur="indefinite" restart="never" nodeType="tmRoot"/>
+      </p:par>
+    </p:tnLst>
+  </p:timing>
 </p:sld>
 </file>
 
@@ -6776,6 +6787,13 @@
   <p:clrMapOvr>
     <a:masterClrMapping/>
   </p:clrMapOvr>
+  <p:timing>
+    <p:tnLst>
+      <p:par>
+        <p:cTn id="1" dur="indefinite" restart="never" nodeType="tmRoot"/>
+      </p:par>
+    </p:tnLst>
+  </p:timing>
 </p:sld>
 </file>
 
@@ -6813,11 +6831,7 @@
           <a:p>
             <a:r>
               <a:rPr lang="en-US" dirty="0" smtClean="0"/>
-              <a:t>MySQL </a:t>
-            </a:r>
-            <a:r>
-              <a:rPr lang="en-US" dirty="0" smtClean="0"/>
-              <a:t>Cluster (NDB Engine)</a:t>
+              <a:t>MySQL Cluster (NDB Engine)</a:t>
             </a:r>
             <a:endParaRPr lang="en-US" dirty="0"/>
           </a:p>
@@ -6869,11 +6883,7 @@
           <a:p>
             <a:r>
               <a:rPr lang="en-US" sz="2800" dirty="0" smtClean="0"/>
-              <a:t>SQL and NoSQL </a:t>
-            </a:r>
-            <a:r>
-              <a:rPr lang="en-US" sz="2800" dirty="0" smtClean="0"/>
-              <a:t>interface</a:t>
+              <a:t>SQL and NoSQL interface</a:t>
             </a:r>
           </a:p>
           <a:p>
@@ -6949,11 +6959,7 @@
           <a:p>
             <a:r>
               <a:rPr lang="en-US" sz="3600" dirty="0" smtClean="0"/>
-              <a:t>MySQL </a:t>
-            </a:r>
-            <a:r>
-              <a:rPr lang="en-US" sz="3600" dirty="0" smtClean="0"/>
-              <a:t>Cluster Applications Example</a:t>
+              <a:t>MySQL Cluster Applications Example</a:t>
             </a:r>
             <a:endParaRPr lang="en-US" sz="3600" dirty="0"/>
           </a:p>
@@ -6978,11 +6984,7 @@
           <a:p>
             <a:r>
               <a:rPr lang="en-US" sz="2000" dirty="0" smtClean="0"/>
-              <a:t>Subscriber </a:t>
-            </a:r>
-            <a:r>
-              <a:rPr lang="en-US" sz="2000" dirty="0" smtClean="0"/>
-              <a:t>Databases</a:t>
+              <a:t>Subscriber Databases</a:t>
             </a:r>
           </a:p>
           <a:p>
@@ -8415,7 +8417,7 @@
         </p:nvSpPr>
         <p:spPr>
           <a:xfrm>
-            <a:off x="365603" y="2005846"/>
+            <a:off x="1333991" y="1753458"/>
             <a:ext cx="1987404" cy="369332"/>
           </a:xfrm>
           <a:prstGeom prst="rect">
